--- a/docs/diagrams/UiComponentClassDiagram.pptx
+++ b/docs/diagrams/UiComponentClassDiagram.pptx
@@ -208,7 +208,7 @@
           <a:p>
             <a:fld id="{F5CC4B3F-88C1-4FFA-B1B6-F41C21DC6924}" type="datetimeFigureOut">
               <a:rPr lang="en-US" smtClean="0"/>
-              <a:t>1/7/2017</a:t>
+              <a:t>3/19/17</a:t>
             </a:fld>
             <a:endParaRPr lang="en-US"/>
           </a:p>
@@ -654,7 +654,7 @@
           <a:p>
             <a:fld id="{78C97017-6FC3-485B-9764-EAC9E56C1D49}" type="datetimeFigureOut">
               <a:rPr lang="en-US" smtClean="0"/>
-              <a:t>1/7/2017</a:t>
+              <a:t>3/19/17</a:t>
             </a:fld>
             <a:endParaRPr lang="en-US"/>
           </a:p>
@@ -822,7 +822,7 @@
           <a:p>
             <a:fld id="{78C97017-6FC3-485B-9764-EAC9E56C1D49}" type="datetimeFigureOut">
               <a:rPr lang="en-US" smtClean="0"/>
-              <a:t>1/7/2017</a:t>
+              <a:t>3/19/17</a:t>
             </a:fld>
             <a:endParaRPr lang="en-US"/>
           </a:p>
@@ -1000,7 +1000,7 @@
           <a:p>
             <a:fld id="{78C97017-6FC3-485B-9764-EAC9E56C1D49}" type="datetimeFigureOut">
               <a:rPr lang="en-US" smtClean="0"/>
-              <a:t>1/7/2017</a:t>
+              <a:t>3/19/17</a:t>
             </a:fld>
             <a:endParaRPr lang="en-US"/>
           </a:p>
@@ -1168,7 +1168,7 @@
           <a:p>
             <a:fld id="{78C97017-6FC3-485B-9764-EAC9E56C1D49}" type="datetimeFigureOut">
               <a:rPr lang="en-US" smtClean="0"/>
-              <a:t>1/7/2017</a:t>
+              <a:t>3/19/17</a:t>
             </a:fld>
             <a:endParaRPr lang="en-US"/>
           </a:p>
@@ -1413,7 +1413,7 @@
           <a:p>
             <a:fld id="{78C97017-6FC3-485B-9764-EAC9E56C1D49}" type="datetimeFigureOut">
               <a:rPr lang="en-US" smtClean="0"/>
-              <a:t>1/7/2017</a:t>
+              <a:t>3/19/17</a:t>
             </a:fld>
             <a:endParaRPr lang="en-US"/>
           </a:p>
@@ -1698,7 +1698,7 @@
           <a:p>
             <a:fld id="{78C97017-6FC3-485B-9764-EAC9E56C1D49}" type="datetimeFigureOut">
               <a:rPr lang="en-US" smtClean="0"/>
-              <a:t>1/7/2017</a:t>
+              <a:t>3/19/17</a:t>
             </a:fld>
             <a:endParaRPr lang="en-US"/>
           </a:p>
@@ -2117,7 +2117,7 @@
           <a:p>
             <a:fld id="{78C97017-6FC3-485B-9764-EAC9E56C1D49}" type="datetimeFigureOut">
               <a:rPr lang="en-US" smtClean="0"/>
-              <a:t>1/7/2017</a:t>
+              <a:t>3/19/17</a:t>
             </a:fld>
             <a:endParaRPr lang="en-US"/>
           </a:p>
@@ -2234,7 +2234,7 @@
           <a:p>
             <a:fld id="{78C97017-6FC3-485B-9764-EAC9E56C1D49}" type="datetimeFigureOut">
               <a:rPr lang="en-US" smtClean="0"/>
-              <a:t>1/7/2017</a:t>
+              <a:t>3/19/17</a:t>
             </a:fld>
             <a:endParaRPr lang="en-US"/>
           </a:p>
@@ -2329,7 +2329,7 @@
           <a:p>
             <a:fld id="{78C97017-6FC3-485B-9764-EAC9E56C1D49}" type="datetimeFigureOut">
               <a:rPr lang="en-US" smtClean="0"/>
-              <a:t>1/7/2017</a:t>
+              <a:t>3/19/17</a:t>
             </a:fld>
             <a:endParaRPr lang="en-US"/>
           </a:p>
@@ -2604,7 +2604,7 @@
           <a:p>
             <a:fld id="{78C97017-6FC3-485B-9764-EAC9E56C1D49}" type="datetimeFigureOut">
               <a:rPr lang="en-US" smtClean="0"/>
-              <a:t>1/7/2017</a:t>
+              <a:t>3/19/17</a:t>
             </a:fld>
             <a:endParaRPr lang="en-US"/>
           </a:p>
@@ -2856,7 +2856,7 @@
           <a:p>
             <a:fld id="{78C97017-6FC3-485B-9764-EAC9E56C1D49}" type="datetimeFigureOut">
               <a:rPr lang="en-US" smtClean="0"/>
-              <a:t>1/7/2017</a:t>
+              <a:t>3/19/17</a:t>
             </a:fld>
             <a:endParaRPr lang="en-US"/>
           </a:p>
@@ -3067,7 +3067,7 @@
           <a:p>
             <a:fld id="{78C97017-6FC3-485B-9764-EAC9E56C1D49}" type="datetimeFigureOut">
               <a:rPr lang="en-US" smtClean="0"/>
-              <a:t>1/7/2017</a:t>
+              <a:t>3/19/17</a:t>
             </a:fld>
             <a:endParaRPr lang="en-US"/>
           </a:p>
@@ -4038,14 +4038,24 @@
           <a:p>
             <a:pPr algn="ctr"/>
             <a:r>
-              <a:rPr lang="en-US" sz="1050" b="1" dirty="0" err="1">
+              <a:rPr lang="en-US" altLang="zh-CN" sz="1050" b="1" dirty="0" err="1" smtClean="0">
                 <a:solidFill>
                   <a:schemeClr val="accent3">
                     <a:lumMod val="75000"/>
                   </a:schemeClr>
                 </a:solidFill>
               </a:rPr>
-              <a:t>PersonListPanel</a:t>
+              <a:t>Task</a:t>
+            </a:r>
+            <a:r>
+              <a:rPr lang="en-US" sz="1050" b="1" dirty="0" err="1" smtClean="0">
+                <a:solidFill>
+                  <a:schemeClr val="accent3">
+                    <a:lumMod val="75000"/>
+                  </a:schemeClr>
+                </a:solidFill>
+              </a:rPr>
+              <a:t>ListPanel</a:t>
             </a:r>
             <a:endParaRPr lang="en-SG" sz="1050" b="1" dirty="0">
               <a:solidFill>
@@ -4098,14 +4108,24 @@
           <a:p>
             <a:pPr algn="ctr"/>
             <a:r>
-              <a:rPr lang="en-US" sz="1050" b="1" dirty="0" err="1">
+              <a:rPr lang="en-US" altLang="zh-CN" sz="1050" b="1" dirty="0" err="1" smtClean="0">
                 <a:solidFill>
                   <a:schemeClr val="accent3">
                     <a:lumMod val="75000"/>
                   </a:schemeClr>
                 </a:solidFill>
               </a:rPr>
-              <a:t>PersonCard</a:t>
+              <a:t>Task</a:t>
+            </a:r>
+            <a:r>
+              <a:rPr lang="en-US" sz="1050" b="1" dirty="0" err="1" smtClean="0">
+                <a:solidFill>
+                  <a:schemeClr val="accent3">
+                    <a:lumMod val="75000"/>
+                  </a:schemeClr>
+                </a:solidFill>
+              </a:rPr>
+              <a:t>Card</a:t>
             </a:r>
             <a:endParaRPr lang="en-SG" sz="1050" b="1" dirty="0">
               <a:solidFill>

--- a/docs/diagrams/UiComponentClassDiagram.pptx
+++ b/docs/diagrams/UiComponentClassDiagram.pptx
@@ -208,7 +208,7 @@
           <a:p>
             <a:fld id="{F5CC4B3F-88C1-4FFA-B1B6-F41C21DC6924}" type="datetimeFigureOut">
               <a:rPr lang="en-US" smtClean="0"/>
-              <a:t>3/19/17</a:t>
+              <a:t>09-Apr-17</a:t>
             </a:fld>
             <a:endParaRPr lang="en-US"/>
           </a:p>
@@ -654,7 +654,7 @@
           <a:p>
             <a:fld id="{78C97017-6FC3-485B-9764-EAC9E56C1D49}" type="datetimeFigureOut">
               <a:rPr lang="en-US" smtClean="0"/>
-              <a:t>3/19/17</a:t>
+              <a:t>09-Apr-17</a:t>
             </a:fld>
             <a:endParaRPr lang="en-US"/>
           </a:p>
@@ -822,7 +822,7 @@
           <a:p>
             <a:fld id="{78C97017-6FC3-485B-9764-EAC9E56C1D49}" type="datetimeFigureOut">
               <a:rPr lang="en-US" smtClean="0"/>
-              <a:t>3/19/17</a:t>
+              <a:t>09-Apr-17</a:t>
             </a:fld>
             <a:endParaRPr lang="en-US"/>
           </a:p>
@@ -1000,7 +1000,7 @@
           <a:p>
             <a:fld id="{78C97017-6FC3-485B-9764-EAC9E56C1D49}" type="datetimeFigureOut">
               <a:rPr lang="en-US" smtClean="0"/>
-              <a:t>3/19/17</a:t>
+              <a:t>09-Apr-17</a:t>
             </a:fld>
             <a:endParaRPr lang="en-US"/>
           </a:p>
@@ -1168,7 +1168,7 @@
           <a:p>
             <a:fld id="{78C97017-6FC3-485B-9764-EAC9E56C1D49}" type="datetimeFigureOut">
               <a:rPr lang="en-US" smtClean="0"/>
-              <a:t>3/19/17</a:t>
+              <a:t>09-Apr-17</a:t>
             </a:fld>
             <a:endParaRPr lang="en-US"/>
           </a:p>
@@ -1413,7 +1413,7 @@
           <a:p>
             <a:fld id="{78C97017-6FC3-485B-9764-EAC9E56C1D49}" type="datetimeFigureOut">
               <a:rPr lang="en-US" smtClean="0"/>
-              <a:t>3/19/17</a:t>
+              <a:t>09-Apr-17</a:t>
             </a:fld>
             <a:endParaRPr lang="en-US"/>
           </a:p>
@@ -1698,7 +1698,7 @@
           <a:p>
             <a:fld id="{78C97017-6FC3-485B-9764-EAC9E56C1D49}" type="datetimeFigureOut">
               <a:rPr lang="en-US" smtClean="0"/>
-              <a:t>3/19/17</a:t>
+              <a:t>09-Apr-17</a:t>
             </a:fld>
             <a:endParaRPr lang="en-US"/>
           </a:p>
@@ -2117,7 +2117,7 @@
           <a:p>
             <a:fld id="{78C97017-6FC3-485B-9764-EAC9E56C1D49}" type="datetimeFigureOut">
               <a:rPr lang="en-US" smtClean="0"/>
-              <a:t>3/19/17</a:t>
+              <a:t>09-Apr-17</a:t>
             </a:fld>
             <a:endParaRPr lang="en-US"/>
           </a:p>
@@ -2234,7 +2234,7 @@
           <a:p>
             <a:fld id="{78C97017-6FC3-485B-9764-EAC9E56C1D49}" type="datetimeFigureOut">
               <a:rPr lang="en-US" smtClean="0"/>
-              <a:t>3/19/17</a:t>
+              <a:t>09-Apr-17</a:t>
             </a:fld>
             <a:endParaRPr lang="en-US"/>
           </a:p>
@@ -2329,7 +2329,7 @@
           <a:p>
             <a:fld id="{78C97017-6FC3-485B-9764-EAC9E56C1D49}" type="datetimeFigureOut">
               <a:rPr lang="en-US" smtClean="0"/>
-              <a:t>3/19/17</a:t>
+              <a:t>09-Apr-17</a:t>
             </a:fld>
             <a:endParaRPr lang="en-US"/>
           </a:p>
@@ -2604,7 +2604,7 @@
           <a:p>
             <a:fld id="{78C97017-6FC3-485B-9764-EAC9E56C1D49}" type="datetimeFigureOut">
               <a:rPr lang="en-US" smtClean="0"/>
-              <a:t>3/19/17</a:t>
+              <a:t>09-Apr-17</a:t>
             </a:fld>
             <a:endParaRPr lang="en-US"/>
           </a:p>
@@ -2856,7 +2856,7 @@
           <a:p>
             <a:fld id="{78C97017-6FC3-485B-9764-EAC9E56C1D49}" type="datetimeFigureOut">
               <a:rPr lang="en-US" smtClean="0"/>
-              <a:t>3/19/17</a:t>
+              <a:t>09-Apr-17</a:t>
             </a:fld>
             <a:endParaRPr lang="en-US"/>
           </a:p>
@@ -3067,7 +3067,7 @@
           <a:p>
             <a:fld id="{78C97017-6FC3-485B-9764-EAC9E56C1D49}" type="datetimeFigureOut">
               <a:rPr lang="en-US" smtClean="0"/>
-              <a:t>3/19/17</a:t>
+              <a:t>09-Apr-17</a:t>
             </a:fld>
             <a:endParaRPr lang="en-US"/>
           </a:p>
@@ -3450,7 +3450,7 @@
         </p:nvSpPr>
         <p:spPr>
           <a:xfrm>
-            <a:off x="1217465" y="1447800"/>
+            <a:off x="1201051" y="1295400"/>
             <a:ext cx="4917083" cy="3962400"/>
           </a:xfrm>
           <a:prstGeom prst="roundRect">
@@ -3925,7 +3925,7 @@
                   </a:schemeClr>
                 </a:solidFill>
               </a:rPr>
-              <a:t>BrowserPanel</a:t>
+              <a:t>TodoListPanel</a:t>
             </a:r>
             <a:endParaRPr lang="en-SG" sz="1050" b="1" dirty="0">
               <a:solidFill>
@@ -3945,7 +3945,7 @@
         </p:nvSpPr>
         <p:spPr>
           <a:xfrm>
-            <a:off x="2592527" y="4563759"/>
+            <a:off x="2601932" y="4665418"/>
             <a:ext cx="1093635" cy="236841"/>
           </a:xfrm>
           <a:prstGeom prst="rect">
@@ -4038,7 +4038,7 @@
           <a:p>
             <a:pPr algn="ctr"/>
             <a:r>
-              <a:rPr lang="en-US" altLang="zh-CN" sz="1050" b="1" dirty="0" err="1" smtClean="0">
+              <a:rPr lang="en-US" altLang="zh-CN" sz="1050" b="1" dirty="0" err="1">
                 <a:solidFill>
                   <a:schemeClr val="accent3">
                     <a:lumMod val="75000"/>
@@ -4048,7 +4048,7 @@
               <a:t>Task</a:t>
             </a:r>
             <a:r>
-              <a:rPr lang="en-US" sz="1050" b="1" dirty="0" err="1" smtClean="0">
+              <a:rPr lang="en-US" sz="1050" b="1" dirty="0" err="1">
                 <a:solidFill>
                   <a:schemeClr val="accent3">
                     <a:lumMod val="75000"/>
@@ -4108,17 +4108,17 @@
           <a:p>
             <a:pPr algn="ctr"/>
             <a:r>
-              <a:rPr lang="en-US" altLang="zh-CN" sz="1050" b="1" dirty="0" err="1" smtClean="0">
+              <a:rPr lang="en-US" altLang="zh-CN" sz="1050" b="1" dirty="0" err="1">
                 <a:solidFill>
                   <a:schemeClr val="accent3">
                     <a:lumMod val="75000"/>
                   </a:schemeClr>
                 </a:solidFill>
               </a:rPr>
-              <a:t>Task</a:t>
-            </a:r>
-            <a:r>
-              <a:rPr lang="en-US" sz="1050" b="1" dirty="0" err="1" smtClean="0">
+              <a:t>TaskList</a:t>
+            </a:r>
+            <a:r>
+              <a:rPr lang="en-US" sz="1050" b="1" dirty="0" err="1">
                 <a:solidFill>
                   <a:schemeClr val="accent3">
                     <a:lumMod val="75000"/>
@@ -4439,8 +4439,8 @@
         </p:nvCxnSpPr>
         <p:spPr>
           <a:xfrm rot="16200000" flipH="1">
-            <a:off x="1597249" y="3686901"/>
-            <a:ext cx="1814155" cy="176401"/>
+            <a:off x="1551122" y="3733029"/>
+            <a:ext cx="1915814" cy="185806"/>
           </a:xfrm>
           <a:prstGeom prst="bentConnector2">
             <a:avLst/>
@@ -4763,8 +4763,8 @@
         </p:nvCxnSpPr>
         <p:spPr>
           <a:xfrm rot="5400000">
-            <a:off x="3409976" y="2562187"/>
-            <a:ext cx="2396180" cy="1843807"/>
+            <a:off x="3363849" y="2617718"/>
+            <a:ext cx="2497839" cy="1834402"/>
           </a:xfrm>
           <a:prstGeom prst="bentConnector2">
             <a:avLst/>
@@ -5097,6 +5097,46 @@
       </p:cxnSp>
       <p:cxnSp>
         <p:nvCxnSpPr>
+          <p:cNvPr id="137" name="Elbow Connector 136"/>
+          <p:cNvCxnSpPr>
+            <a:stCxn id="36" idx="2"/>
+          </p:cNvCxnSpPr>
+          <p:nvPr/>
+        </p:nvCxnSpPr>
+        <p:spPr>
+          <a:xfrm rot="16200000" flipH="1">
+            <a:off x="3460982" y="3907163"/>
+            <a:ext cx="66228" cy="709504"/>
+          </a:xfrm>
+          <a:prstGeom prst="bentConnector2">
+            <a:avLst/>
+          </a:prstGeom>
+          <a:ln w="19050">
+            <a:solidFill>
+              <a:schemeClr val="accent3"/>
+            </a:solidFill>
+            <a:headEnd type="none" w="med" len="med"/>
+            <a:tailEnd type="arrow" w="med" len="med"/>
+          </a:ln>
+          <a:effectLst/>
+        </p:spPr>
+        <p:style>
+          <a:lnRef idx="1">
+            <a:schemeClr val="accent2"/>
+          </a:lnRef>
+          <a:fillRef idx="2">
+            <a:schemeClr val="accent2"/>
+          </a:fillRef>
+          <a:effectRef idx="1">
+            <a:schemeClr val="accent2"/>
+          </a:effectRef>
+          <a:fontRef idx="minor">
+            <a:schemeClr val="dk1"/>
+          </a:fontRef>
+        </p:style>
+      </p:cxnSp>
+      <p:cxnSp>
+        <p:nvCxnSpPr>
           <p:cNvPr id="131" name="Elbow Connector 130"/>
           <p:cNvCxnSpPr>
             <a:stCxn id="39" idx="2"/>
@@ -5159,47 +5199,6 @@
             </a:solidFill>
             <a:headEnd type="none" w="med" len="med"/>
             <a:tailEnd type="none" w="med" len="med"/>
-          </a:ln>
-          <a:effectLst/>
-        </p:spPr>
-        <p:style>
-          <a:lnRef idx="1">
-            <a:schemeClr val="accent2"/>
-          </a:lnRef>
-          <a:fillRef idx="2">
-            <a:schemeClr val="accent2"/>
-          </a:fillRef>
-          <a:effectRef idx="1">
-            <a:schemeClr val="accent2"/>
-          </a:effectRef>
-          <a:fontRef idx="minor">
-            <a:schemeClr val="dk1"/>
-          </a:fontRef>
-        </p:style>
-      </p:cxnSp>
-      <p:cxnSp>
-        <p:nvCxnSpPr>
-          <p:cNvPr id="137" name="Elbow Connector 136"/>
-          <p:cNvCxnSpPr>
-            <a:stCxn id="36" idx="2"/>
-            <a:endCxn id="37" idx="1"/>
-          </p:cNvCxnSpPr>
-          <p:nvPr/>
-        </p:nvCxnSpPr>
-        <p:spPr>
-          <a:xfrm rot="16200000" flipH="1">
-            <a:off x="3430123" y="3938021"/>
-            <a:ext cx="118421" cy="699979"/>
-          </a:xfrm>
-          <a:prstGeom prst="bentConnector2">
-            <a:avLst/>
-          </a:prstGeom>
-          <a:ln w="19050">
-            <a:solidFill>
-              <a:schemeClr val="accent3"/>
-            </a:solidFill>
-            <a:headEnd type="none" w="med" len="med"/>
-            <a:tailEnd type="arrow" w="med" len="med"/>
           </a:ln>
           <a:effectLst/>
         </p:spPr>
@@ -5529,6 +5528,241 @@
           </a:p>
         </p:txBody>
       </p:sp>
+      <p:cxnSp>
+        <p:nvCxnSpPr>
+          <p:cNvPr id="42" name="Elbow Connector 136"/>
+          <p:cNvCxnSpPr/>
+          <p:nvPr/>
+        </p:nvCxnSpPr>
+        <p:spPr>
+          <a:xfrm rot="16200000" flipH="1">
+            <a:off x="3657565" y="3887751"/>
+            <a:ext cx="376891" cy="291077"/>
+          </a:xfrm>
+          <a:prstGeom prst="bentConnector3">
+            <a:avLst>
+              <a:gd name="adj1" fmla="val -3915"/>
+            </a:avLst>
+          </a:prstGeom>
+          <a:ln w="19050">
+            <a:solidFill>
+              <a:schemeClr val="accent3"/>
+            </a:solidFill>
+            <a:headEnd type="none" w="med" len="med"/>
+            <a:tailEnd type="arrow" w="med" len="med"/>
+          </a:ln>
+          <a:effectLst/>
+        </p:spPr>
+        <p:style>
+          <a:lnRef idx="1">
+            <a:schemeClr val="accent2"/>
+          </a:lnRef>
+          <a:fillRef idx="2">
+            <a:schemeClr val="accent2"/>
+          </a:fillRef>
+          <a:effectRef idx="1">
+            <a:schemeClr val="accent2"/>
+          </a:effectRef>
+          <a:fontRef idx="minor">
+            <a:schemeClr val="dk1"/>
+          </a:fontRef>
+        </p:style>
+      </p:cxnSp>
+      <p:cxnSp>
+        <p:nvCxnSpPr>
+          <p:cNvPr id="54" name="Elbow Connector 63"/>
+          <p:cNvCxnSpPr/>
+          <p:nvPr/>
+        </p:nvCxnSpPr>
+        <p:spPr>
+          <a:xfrm rot="16200000" flipH="1">
+            <a:off x="1883147" y="3770661"/>
+            <a:ext cx="1242356" cy="176400"/>
+          </a:xfrm>
+          <a:prstGeom prst="bentConnector2">
+            <a:avLst/>
+          </a:prstGeom>
+          <a:ln w="19050">
+            <a:solidFill>
+              <a:schemeClr val="accent3"/>
+            </a:solidFill>
+            <a:headEnd type="none" w="med" len="med"/>
+            <a:tailEnd type="arrow" w="med" len="med"/>
+          </a:ln>
+          <a:effectLst/>
+        </p:spPr>
+        <p:style>
+          <a:lnRef idx="1">
+            <a:schemeClr val="accent2"/>
+          </a:lnRef>
+          <a:fillRef idx="2">
+            <a:schemeClr val="accent2"/>
+          </a:fillRef>
+          <a:effectRef idx="1">
+            <a:schemeClr val="accent2"/>
+          </a:effectRef>
+          <a:fontRef idx="minor">
+            <a:schemeClr val="dk1"/>
+          </a:fontRef>
+        </p:style>
+      </p:cxnSp>
+      <p:sp>
+        <p:nvSpPr>
+          <p:cNvPr id="56" name="Rectangle 11"/>
+          <p:cNvSpPr/>
+          <p:nvPr/>
+        </p:nvSpPr>
+        <p:spPr>
+          <a:xfrm>
+            <a:off x="2594369" y="4368974"/>
+            <a:ext cx="1109703" cy="236841"/>
+          </a:xfrm>
+          <a:prstGeom prst="rect">
+            <a:avLst/>
+          </a:prstGeom>
+          <a:ln w="19050">
+            <a:solidFill>
+              <a:schemeClr val="accent3"/>
+            </a:solidFill>
+          </a:ln>
+          <a:effectLst/>
+        </p:spPr>
+        <p:style>
+          <a:lnRef idx="1">
+            <a:schemeClr val="accent3"/>
+          </a:lnRef>
+          <a:fillRef idx="2">
+            <a:schemeClr val="accent3"/>
+          </a:fillRef>
+          <a:effectRef idx="1">
+            <a:schemeClr val="accent3"/>
+          </a:effectRef>
+          <a:fontRef idx="minor">
+            <a:schemeClr val="dk1"/>
+          </a:fontRef>
+        </p:style>
+        <p:txBody>
+          <a:bodyPr rtlCol="0" anchor="ctr"/>
+          <a:lstStyle/>
+          <a:p>
+            <a:pPr algn="ctr"/>
+            <a:r>
+              <a:rPr lang="en-US" sz="1050" b="1" dirty="0" err="1">
+                <a:solidFill>
+                  <a:schemeClr val="accent3">
+                    <a:lumMod val="75000"/>
+                  </a:schemeClr>
+                </a:solidFill>
+              </a:rPr>
+              <a:t>FindTaskOverlay</a:t>
+            </a:r>
+            <a:endParaRPr lang="en-SG" sz="1050" b="1" dirty="0">
+              <a:solidFill>
+                <a:schemeClr val="accent3">
+                  <a:lumMod val="75000"/>
+                </a:schemeClr>
+              </a:solidFill>
+            </a:endParaRPr>
+          </a:p>
+        </p:txBody>
+      </p:sp>
+      <p:sp>
+        <p:nvSpPr>
+          <p:cNvPr id="59" name="Rectangle 11"/>
+          <p:cNvSpPr/>
+          <p:nvPr/>
+        </p:nvSpPr>
+        <p:spPr>
+          <a:xfrm>
+            <a:off x="4390667" y="3633050"/>
+            <a:ext cx="1040906" cy="236841"/>
+          </a:xfrm>
+          <a:prstGeom prst="rect">
+            <a:avLst/>
+          </a:prstGeom>
+          <a:ln w="19050">
+            <a:solidFill>
+              <a:schemeClr val="accent3"/>
+            </a:solidFill>
+          </a:ln>
+          <a:effectLst/>
+        </p:spPr>
+        <p:style>
+          <a:lnRef idx="1">
+            <a:schemeClr val="accent3"/>
+          </a:lnRef>
+          <a:fillRef idx="2">
+            <a:schemeClr val="accent3"/>
+          </a:fillRef>
+          <a:effectRef idx="1">
+            <a:schemeClr val="accent3"/>
+          </a:effectRef>
+          <a:fontRef idx="minor">
+            <a:schemeClr val="dk1"/>
+          </a:fontRef>
+        </p:style>
+        <p:txBody>
+          <a:bodyPr rtlCol="0" anchor="ctr"/>
+          <a:lstStyle/>
+          <a:p>
+            <a:pPr algn="ctr"/>
+            <a:r>
+              <a:rPr lang="en-US" altLang="zh-CN" sz="1050" b="1" dirty="0" err="1">
+                <a:solidFill>
+                  <a:schemeClr val="accent3">
+                    <a:lumMod val="75000"/>
+                  </a:schemeClr>
+                </a:solidFill>
+              </a:rPr>
+              <a:t>ListViewHelper</a:t>
+            </a:r>
+            <a:endParaRPr lang="en-SG" sz="1050" b="1" dirty="0">
+              <a:solidFill>
+                <a:schemeClr val="accent3">
+                  <a:lumMod val="75000"/>
+                </a:schemeClr>
+              </a:solidFill>
+            </a:endParaRPr>
+          </a:p>
+        </p:txBody>
+      </p:sp>
+      <p:cxnSp>
+        <p:nvCxnSpPr>
+          <p:cNvPr id="27" name="Straight Arrow Connector 26"/>
+          <p:cNvCxnSpPr/>
+          <p:nvPr/>
+        </p:nvCxnSpPr>
+        <p:spPr>
+          <a:xfrm>
+            <a:off x="3696769" y="3729347"/>
+            <a:ext cx="696452" cy="3833"/>
+          </a:xfrm>
+          <a:prstGeom prst="straightConnector1">
+            <a:avLst/>
+          </a:prstGeom>
+          <a:ln w="19050">
+            <a:solidFill>
+              <a:schemeClr val="accent3"/>
+            </a:solidFill>
+            <a:headEnd type="none" w="med" len="med"/>
+            <a:tailEnd type="arrow" w="med" len="med"/>
+          </a:ln>
+        </p:spPr>
+        <p:style>
+          <a:lnRef idx="1">
+            <a:schemeClr val="accent1"/>
+          </a:lnRef>
+          <a:fillRef idx="0">
+            <a:schemeClr val="accent1"/>
+          </a:fillRef>
+          <a:effectRef idx="0">
+            <a:schemeClr val="accent1"/>
+          </a:effectRef>
+          <a:fontRef idx="minor">
+            <a:schemeClr val="tx1"/>
+          </a:fontRef>
+        </p:style>
+      </p:cxnSp>
     </p:spTree>
     <p:extLst>
       <p:ext uri="{BB962C8B-B14F-4D97-AF65-F5344CB8AC3E}">

--- a/docs/diagrams/UiComponentClassDiagram.pptx
+++ b/docs/diagrams/UiComponentClassDiagram.pptx
@@ -3450,7 +3450,7 @@
         </p:nvSpPr>
         <p:spPr>
           <a:xfrm>
-            <a:off x="1201051" y="1295400"/>
+            <a:off x="1143000" y="1371600"/>
             <a:ext cx="4917083" cy="3962400"/>
           </a:xfrm>
           <a:prstGeom prst="roundRect">
@@ -5674,7 +5674,7 @@
         </p:nvSpPr>
         <p:spPr>
           <a:xfrm>
-            <a:off x="4390667" y="3633050"/>
+            <a:off x="4475595" y="3752929"/>
             <a:ext cx="1040906" cy="236841"/>
           </a:xfrm>
           <a:prstGeom prst="rect">
@@ -5734,8 +5734,8 @@
         </p:nvCxnSpPr>
         <p:spPr>
           <a:xfrm>
-            <a:off x="3696769" y="3729347"/>
-            <a:ext cx="696452" cy="3833"/>
+            <a:off x="3694547" y="3774520"/>
+            <a:ext cx="774486" cy="5028"/>
           </a:xfrm>
           <a:prstGeom prst="straightConnector1">
             <a:avLst/>
@@ -5760,6 +5760,46 @@
           </a:effectRef>
           <a:fontRef idx="minor">
             <a:schemeClr val="tx1"/>
+          </a:fontRef>
+        </p:style>
+      </p:cxnSp>
+      <p:cxnSp>
+        <p:nvCxnSpPr>
+          <p:cNvPr id="48" name="Elbow Connector 136"/>
+          <p:cNvCxnSpPr/>
+          <p:nvPr/>
+        </p:nvCxnSpPr>
+        <p:spPr>
+          <a:xfrm flipV="1">
+            <a:off x="3702262" y="3907009"/>
+            <a:ext cx="773333" cy="142157"/>
+          </a:xfrm>
+          <a:prstGeom prst="bentConnector3">
+            <a:avLst>
+              <a:gd name="adj1" fmla="val 4429"/>
+            </a:avLst>
+          </a:prstGeom>
+          <a:ln w="19050">
+            <a:solidFill>
+              <a:schemeClr val="accent3"/>
+            </a:solidFill>
+            <a:headEnd type="none" w="med" len="med"/>
+            <a:tailEnd type="arrow" w="med" len="med"/>
+          </a:ln>
+          <a:effectLst/>
+        </p:spPr>
+        <p:style>
+          <a:lnRef idx="1">
+            <a:schemeClr val="accent2"/>
+          </a:lnRef>
+          <a:fillRef idx="2">
+            <a:schemeClr val="accent2"/>
+          </a:fillRef>
+          <a:effectRef idx="1">
+            <a:schemeClr val="accent2"/>
+          </a:effectRef>
+          <a:fontRef idx="minor">
+            <a:schemeClr val="dk1"/>
           </a:fontRef>
         </p:style>
       </p:cxnSp>

--- a/docs/diagrams/UiComponentClassDiagram.pptx
+++ b/docs/diagrams/UiComponentClassDiagram.pptx
@@ -208,7 +208,7 @@
           <a:p>
             <a:fld id="{F5CC4B3F-88C1-4FFA-B1B6-F41C21DC6924}" type="datetimeFigureOut">
               <a:rPr lang="en-US" smtClean="0"/>
-              <a:t>09-Apr-17</a:t>
+              <a:t>10-Apr-17</a:t>
             </a:fld>
             <a:endParaRPr lang="en-US"/>
           </a:p>
@@ -654,7 +654,7 @@
           <a:p>
             <a:fld id="{78C97017-6FC3-485B-9764-EAC9E56C1D49}" type="datetimeFigureOut">
               <a:rPr lang="en-US" smtClean="0"/>
-              <a:t>09-Apr-17</a:t>
+              <a:t>10-Apr-17</a:t>
             </a:fld>
             <a:endParaRPr lang="en-US"/>
           </a:p>
@@ -822,7 +822,7 @@
           <a:p>
             <a:fld id="{78C97017-6FC3-485B-9764-EAC9E56C1D49}" type="datetimeFigureOut">
               <a:rPr lang="en-US" smtClean="0"/>
-              <a:t>09-Apr-17</a:t>
+              <a:t>10-Apr-17</a:t>
             </a:fld>
             <a:endParaRPr lang="en-US"/>
           </a:p>
@@ -1000,7 +1000,7 @@
           <a:p>
             <a:fld id="{78C97017-6FC3-485B-9764-EAC9E56C1D49}" type="datetimeFigureOut">
               <a:rPr lang="en-US" smtClean="0"/>
-              <a:t>09-Apr-17</a:t>
+              <a:t>10-Apr-17</a:t>
             </a:fld>
             <a:endParaRPr lang="en-US"/>
           </a:p>
@@ -1168,7 +1168,7 @@
           <a:p>
             <a:fld id="{78C97017-6FC3-485B-9764-EAC9E56C1D49}" type="datetimeFigureOut">
               <a:rPr lang="en-US" smtClean="0"/>
-              <a:t>09-Apr-17</a:t>
+              <a:t>10-Apr-17</a:t>
             </a:fld>
             <a:endParaRPr lang="en-US"/>
           </a:p>
@@ -1413,7 +1413,7 @@
           <a:p>
             <a:fld id="{78C97017-6FC3-485B-9764-EAC9E56C1D49}" type="datetimeFigureOut">
               <a:rPr lang="en-US" smtClean="0"/>
-              <a:t>09-Apr-17</a:t>
+              <a:t>10-Apr-17</a:t>
             </a:fld>
             <a:endParaRPr lang="en-US"/>
           </a:p>
@@ -1698,7 +1698,7 @@
           <a:p>
             <a:fld id="{78C97017-6FC3-485B-9764-EAC9E56C1D49}" type="datetimeFigureOut">
               <a:rPr lang="en-US" smtClean="0"/>
-              <a:t>09-Apr-17</a:t>
+              <a:t>10-Apr-17</a:t>
             </a:fld>
             <a:endParaRPr lang="en-US"/>
           </a:p>
@@ -2117,7 +2117,7 @@
           <a:p>
             <a:fld id="{78C97017-6FC3-485B-9764-EAC9E56C1D49}" type="datetimeFigureOut">
               <a:rPr lang="en-US" smtClean="0"/>
-              <a:t>09-Apr-17</a:t>
+              <a:t>10-Apr-17</a:t>
             </a:fld>
             <a:endParaRPr lang="en-US"/>
           </a:p>
@@ -2234,7 +2234,7 @@
           <a:p>
             <a:fld id="{78C97017-6FC3-485B-9764-EAC9E56C1D49}" type="datetimeFigureOut">
               <a:rPr lang="en-US" smtClean="0"/>
-              <a:t>09-Apr-17</a:t>
+              <a:t>10-Apr-17</a:t>
             </a:fld>
             <a:endParaRPr lang="en-US"/>
           </a:p>
@@ -2329,7 +2329,7 @@
           <a:p>
             <a:fld id="{78C97017-6FC3-485B-9764-EAC9E56C1D49}" type="datetimeFigureOut">
               <a:rPr lang="en-US" smtClean="0"/>
-              <a:t>09-Apr-17</a:t>
+              <a:t>10-Apr-17</a:t>
             </a:fld>
             <a:endParaRPr lang="en-US"/>
           </a:p>
@@ -2604,7 +2604,7 @@
           <a:p>
             <a:fld id="{78C97017-6FC3-485B-9764-EAC9E56C1D49}" type="datetimeFigureOut">
               <a:rPr lang="en-US" smtClean="0"/>
-              <a:t>09-Apr-17</a:t>
+              <a:t>10-Apr-17</a:t>
             </a:fld>
             <a:endParaRPr lang="en-US"/>
           </a:p>
@@ -2856,7 +2856,7 @@
           <a:p>
             <a:fld id="{78C97017-6FC3-485B-9764-EAC9E56C1D49}" type="datetimeFigureOut">
               <a:rPr lang="en-US" smtClean="0"/>
-              <a:t>09-Apr-17</a:t>
+              <a:t>10-Apr-17</a:t>
             </a:fld>
             <a:endParaRPr lang="en-US"/>
           </a:p>
@@ -3067,7 +3067,7 @@
           <a:p>
             <a:fld id="{78C97017-6FC3-485B-9764-EAC9E56C1D49}" type="datetimeFigureOut">
               <a:rPr lang="en-US" smtClean="0"/>
-              <a:t>09-Apr-17</a:t>
+              <a:t>10-Apr-17</a:t>
             </a:fld>
             <a:endParaRPr lang="en-US"/>
           </a:p>
@@ -4145,7 +4145,7 @@
         </p:nvSpPr>
         <p:spPr>
           <a:xfrm>
-            <a:off x="2592528" y="4966000"/>
+            <a:off x="2579744" y="5365836"/>
             <a:ext cx="1093635" cy="236841"/>
           </a:xfrm>
           <a:prstGeom prst="rect">
@@ -4479,8 +4479,8 @@
         </p:nvCxnSpPr>
         <p:spPr>
           <a:xfrm rot="16200000" flipH="1">
-            <a:off x="1184119" y="3676012"/>
-            <a:ext cx="2396440" cy="420377"/>
+            <a:off x="1303675" y="4208188"/>
+            <a:ext cx="2392050" cy="160087"/>
           </a:xfrm>
           <a:prstGeom prst="bentConnector2">
             <a:avLst/>
@@ -4804,8 +4804,8 @@
         </p:nvCxnSpPr>
         <p:spPr>
           <a:xfrm rot="5400000">
-            <a:off x="3208856" y="2763307"/>
-            <a:ext cx="2798421" cy="1843806"/>
+            <a:off x="3002546" y="2956833"/>
+            <a:ext cx="3198257" cy="1856590"/>
           </a:xfrm>
           <a:prstGeom prst="bentConnector2">
             <a:avLst/>
@@ -5778,6 +5778,201 @@
             <a:avLst>
               <a:gd name="adj1" fmla="val 4429"/>
             </a:avLst>
+          </a:prstGeom>
+          <a:ln w="19050">
+            <a:solidFill>
+              <a:schemeClr val="accent3"/>
+            </a:solidFill>
+            <a:headEnd type="none" w="med" len="med"/>
+            <a:tailEnd type="arrow" w="med" len="med"/>
+          </a:ln>
+          <a:effectLst/>
+        </p:spPr>
+        <p:style>
+          <a:lnRef idx="1">
+            <a:schemeClr val="accent2"/>
+          </a:lnRef>
+          <a:fillRef idx="2">
+            <a:schemeClr val="accent2"/>
+          </a:fillRef>
+          <a:effectRef idx="1">
+            <a:schemeClr val="accent2"/>
+          </a:effectRef>
+          <a:fontRef idx="minor">
+            <a:schemeClr val="dk1"/>
+          </a:fontRef>
+        </p:style>
+      </p:cxnSp>
+      <p:cxnSp>
+        <p:nvCxnSpPr>
+          <p:cNvPr id="49" name="Straight Arrow Connector 48"/>
+          <p:cNvCxnSpPr/>
+          <p:nvPr/>
+        </p:nvCxnSpPr>
+        <p:spPr>
+          <a:xfrm>
+            <a:off x="3694547" y="3089139"/>
+            <a:ext cx="774486" cy="5028"/>
+          </a:xfrm>
+          <a:prstGeom prst="straightConnector1">
+            <a:avLst/>
+          </a:prstGeom>
+          <a:ln w="19050">
+            <a:solidFill>
+              <a:schemeClr val="accent3"/>
+            </a:solidFill>
+            <a:headEnd type="none" w="med" len="med"/>
+            <a:tailEnd type="arrow" w="med" len="med"/>
+          </a:ln>
+        </p:spPr>
+        <p:style>
+          <a:lnRef idx="1">
+            <a:schemeClr val="accent1"/>
+          </a:lnRef>
+          <a:fillRef idx="0">
+            <a:schemeClr val="accent1"/>
+          </a:fillRef>
+          <a:effectRef idx="0">
+            <a:schemeClr val="accent1"/>
+          </a:effectRef>
+          <a:fontRef idx="minor">
+            <a:schemeClr val="tx1"/>
+          </a:fontRef>
+        </p:style>
+      </p:cxnSp>
+      <p:sp>
+        <p:nvSpPr>
+          <p:cNvPr id="52" name="Rectangle 11"/>
+          <p:cNvSpPr/>
+          <p:nvPr/>
+        </p:nvSpPr>
+        <p:spPr>
+          <a:xfrm>
+            <a:off x="4475594" y="2990806"/>
+            <a:ext cx="1163205" cy="236841"/>
+          </a:xfrm>
+          <a:prstGeom prst="rect">
+            <a:avLst/>
+          </a:prstGeom>
+          <a:ln w="19050">
+            <a:solidFill>
+              <a:schemeClr val="accent3"/>
+            </a:solidFill>
+          </a:ln>
+          <a:effectLst/>
+        </p:spPr>
+        <p:style>
+          <a:lnRef idx="1">
+            <a:schemeClr val="accent3"/>
+          </a:lnRef>
+          <a:fillRef idx="2">
+            <a:schemeClr val="accent3"/>
+          </a:fillRef>
+          <a:effectRef idx="1">
+            <a:schemeClr val="accent3"/>
+          </a:effectRef>
+          <a:fontRef idx="minor">
+            <a:schemeClr val="dk1"/>
+          </a:fontRef>
+        </p:style>
+        <p:txBody>
+          <a:bodyPr rtlCol="0" anchor="ctr"/>
+          <a:lstStyle/>
+          <a:p>
+            <a:pPr algn="ctr"/>
+            <a:r>
+              <a:rPr lang="en-US" altLang="zh-CN" sz="1050" b="1" dirty="0" err="1">
+                <a:solidFill>
+                  <a:schemeClr val="accent3">
+                    <a:lumMod val="75000"/>
+                  </a:schemeClr>
+                </a:solidFill>
+              </a:rPr>
+              <a:t>SuggestionHelper</a:t>
+            </a:r>
+            <a:endParaRPr lang="en-SG" sz="1050" b="1" dirty="0">
+              <a:solidFill>
+                <a:schemeClr val="accent3">
+                  <a:lumMod val="75000"/>
+                </a:schemeClr>
+              </a:solidFill>
+            </a:endParaRPr>
+          </a:p>
+        </p:txBody>
+      </p:sp>
+      <p:sp>
+        <p:nvSpPr>
+          <p:cNvPr id="55" name="Rectangle 11"/>
+          <p:cNvSpPr/>
+          <p:nvPr/>
+        </p:nvSpPr>
+        <p:spPr>
+          <a:xfrm>
+            <a:off x="2601932" y="4961862"/>
+            <a:ext cx="1093635" cy="236841"/>
+          </a:xfrm>
+          <a:prstGeom prst="rect">
+            <a:avLst/>
+          </a:prstGeom>
+          <a:ln w="19050">
+            <a:solidFill>
+              <a:schemeClr val="accent3"/>
+            </a:solidFill>
+          </a:ln>
+          <a:effectLst/>
+        </p:spPr>
+        <p:style>
+          <a:lnRef idx="1">
+            <a:schemeClr val="accent3"/>
+          </a:lnRef>
+          <a:fillRef idx="2">
+            <a:schemeClr val="accent3"/>
+          </a:fillRef>
+          <a:effectRef idx="1">
+            <a:schemeClr val="accent3"/>
+          </a:effectRef>
+          <a:fontRef idx="minor">
+            <a:schemeClr val="dk1"/>
+          </a:fontRef>
+        </p:style>
+        <p:txBody>
+          <a:bodyPr rtlCol="0" anchor="ctr"/>
+          <a:lstStyle/>
+          <a:p>
+            <a:pPr algn="ctr"/>
+            <a:r>
+              <a:rPr lang="en-US" sz="1050" b="1" dirty="0">
+                <a:solidFill>
+                  <a:schemeClr val="accent3">
+                    <a:lumMod val="75000"/>
+                  </a:schemeClr>
+                </a:solidFill>
+              </a:rPr>
+              <a:t>Dialog</a:t>
+            </a:r>
+            <a:endParaRPr lang="en-SG" sz="1050" b="1" dirty="0">
+              <a:solidFill>
+                <a:schemeClr val="accent3">
+                  <a:lumMod val="75000"/>
+                </a:schemeClr>
+              </a:solidFill>
+            </a:endParaRPr>
+          </a:p>
+        </p:txBody>
+      </p:sp>
+      <p:cxnSp>
+        <p:nvCxnSpPr>
+          <p:cNvPr id="57" name="Elbow Connector 63"/>
+          <p:cNvCxnSpPr/>
+          <p:nvPr/>
+        </p:nvCxnSpPr>
+        <p:spPr>
+          <a:xfrm rot="16200000" flipH="1">
+            <a:off x="1551119" y="4017477"/>
+            <a:ext cx="1915814" cy="185806"/>
+          </a:xfrm>
+          <a:prstGeom prst="bentConnector2">
+            <a:avLst/>
           </a:prstGeom>
           <a:ln w="19050">
             <a:solidFill>
